--- a/docs/diagrams/UiComponentClassDiagram.pptx
+++ b/docs/diagrams/UiComponentClassDiagram.pptx
@@ -208,7 +208,7 @@
           <a:p>
             <a:fld id="{F5CC4B3F-88C1-4FFA-B1B6-F41C21DC6924}" type="datetimeFigureOut">
               <a:rPr lang="en-US" smtClean="0"/>
-              <a:t>1/7/2017</a:t>
+              <a:t>11/11/2017</a:t>
             </a:fld>
             <a:endParaRPr lang="en-US"/>
           </a:p>
@@ -654,7 +654,7 @@
           <a:p>
             <a:fld id="{78C97017-6FC3-485B-9764-EAC9E56C1D49}" type="datetimeFigureOut">
               <a:rPr lang="en-US" smtClean="0"/>
-              <a:t>1/7/2017</a:t>
+              <a:t>11/11/2017</a:t>
             </a:fld>
             <a:endParaRPr lang="en-US"/>
           </a:p>
@@ -822,7 +822,7 @@
           <a:p>
             <a:fld id="{78C97017-6FC3-485B-9764-EAC9E56C1D49}" type="datetimeFigureOut">
               <a:rPr lang="en-US" smtClean="0"/>
-              <a:t>1/7/2017</a:t>
+              <a:t>11/11/2017</a:t>
             </a:fld>
             <a:endParaRPr lang="en-US"/>
           </a:p>
@@ -1000,7 +1000,7 @@
           <a:p>
             <a:fld id="{78C97017-6FC3-485B-9764-EAC9E56C1D49}" type="datetimeFigureOut">
               <a:rPr lang="en-US" smtClean="0"/>
-              <a:t>1/7/2017</a:t>
+              <a:t>11/11/2017</a:t>
             </a:fld>
             <a:endParaRPr lang="en-US"/>
           </a:p>
@@ -1168,7 +1168,7 @@
           <a:p>
             <a:fld id="{78C97017-6FC3-485B-9764-EAC9E56C1D49}" type="datetimeFigureOut">
               <a:rPr lang="en-US" smtClean="0"/>
-              <a:t>1/7/2017</a:t>
+              <a:t>11/11/2017</a:t>
             </a:fld>
             <a:endParaRPr lang="en-US"/>
           </a:p>
@@ -1413,7 +1413,7 @@
           <a:p>
             <a:fld id="{78C97017-6FC3-485B-9764-EAC9E56C1D49}" type="datetimeFigureOut">
               <a:rPr lang="en-US" smtClean="0"/>
-              <a:t>1/7/2017</a:t>
+              <a:t>11/11/2017</a:t>
             </a:fld>
             <a:endParaRPr lang="en-US"/>
           </a:p>
@@ -1698,7 +1698,7 @@
           <a:p>
             <a:fld id="{78C97017-6FC3-485B-9764-EAC9E56C1D49}" type="datetimeFigureOut">
               <a:rPr lang="en-US" smtClean="0"/>
-              <a:t>1/7/2017</a:t>
+              <a:t>11/11/2017</a:t>
             </a:fld>
             <a:endParaRPr lang="en-US"/>
           </a:p>
@@ -2117,7 +2117,7 @@
           <a:p>
             <a:fld id="{78C97017-6FC3-485B-9764-EAC9E56C1D49}" type="datetimeFigureOut">
               <a:rPr lang="en-US" smtClean="0"/>
-              <a:t>1/7/2017</a:t>
+              <a:t>11/11/2017</a:t>
             </a:fld>
             <a:endParaRPr lang="en-US"/>
           </a:p>
@@ -2234,7 +2234,7 @@
           <a:p>
             <a:fld id="{78C97017-6FC3-485B-9764-EAC9E56C1D49}" type="datetimeFigureOut">
               <a:rPr lang="en-US" smtClean="0"/>
-              <a:t>1/7/2017</a:t>
+              <a:t>11/11/2017</a:t>
             </a:fld>
             <a:endParaRPr lang="en-US"/>
           </a:p>
@@ -2329,7 +2329,7 @@
           <a:p>
             <a:fld id="{78C97017-6FC3-485B-9764-EAC9E56C1D49}" type="datetimeFigureOut">
               <a:rPr lang="en-US" smtClean="0"/>
-              <a:t>1/7/2017</a:t>
+              <a:t>11/11/2017</a:t>
             </a:fld>
             <a:endParaRPr lang="en-US"/>
           </a:p>
@@ -2604,7 +2604,7 @@
           <a:p>
             <a:fld id="{78C97017-6FC3-485B-9764-EAC9E56C1D49}" type="datetimeFigureOut">
               <a:rPr lang="en-US" smtClean="0"/>
-              <a:t>1/7/2017</a:t>
+              <a:t>11/11/2017</a:t>
             </a:fld>
             <a:endParaRPr lang="en-US"/>
           </a:p>
@@ -2856,7 +2856,7 @@
           <a:p>
             <a:fld id="{78C97017-6FC3-485B-9764-EAC9E56C1D49}" type="datetimeFigureOut">
               <a:rPr lang="en-US" smtClean="0"/>
-              <a:t>1/7/2017</a:t>
+              <a:t>11/11/2017</a:t>
             </a:fld>
             <a:endParaRPr lang="en-US"/>
           </a:p>
@@ -3067,7 +3067,7 @@
           <a:p>
             <a:fld id="{78C97017-6FC3-485B-9764-EAC9E56C1D49}" type="datetimeFigureOut">
               <a:rPr lang="en-US" smtClean="0"/>
-              <a:t>1/7/2017</a:t>
+              <a:t>11/11/2017</a:t>
             </a:fld>
             <a:endParaRPr lang="en-US"/>
           </a:p>
@@ -3451,7 +3451,7 @@
         <p:spPr>
           <a:xfrm>
             <a:off x="1217465" y="1447800"/>
-            <a:ext cx="4917083" cy="3962400"/>
+            <a:ext cx="4917083" cy="5029200"/>
           </a:xfrm>
           <a:prstGeom prst="roundRect">
             <a:avLst>
@@ -3945,7 +3945,7 @@
         </p:nvSpPr>
         <p:spPr>
           <a:xfrm>
-            <a:off x="2592527" y="4563759"/>
+            <a:off x="2579592" y="5630945"/>
             <a:ext cx="1093635" cy="236841"/>
           </a:xfrm>
           <a:prstGeom prst="rect">
@@ -4125,7 +4125,7 @@
         </p:nvSpPr>
         <p:spPr>
           <a:xfrm>
-            <a:off x="2592528" y="4966000"/>
+            <a:off x="2572564" y="6036576"/>
             <a:ext cx="1093635" cy="236841"/>
           </a:xfrm>
           <a:prstGeom prst="rect">
@@ -4419,8 +4419,8 @@
         </p:nvCxnSpPr>
         <p:spPr>
           <a:xfrm rot="16200000" flipH="1">
-            <a:off x="1597249" y="3686901"/>
-            <a:ext cx="1814155" cy="176401"/>
+            <a:off x="1057189" y="4226962"/>
+            <a:ext cx="2881341" cy="163466"/>
           </a:xfrm>
           <a:prstGeom prst="bentConnector2">
             <a:avLst/>
@@ -4459,8 +4459,8 @@
         </p:nvCxnSpPr>
         <p:spPr>
           <a:xfrm rot="16200000" flipH="1">
-            <a:off x="1184119" y="3676012"/>
-            <a:ext cx="2396440" cy="420377"/>
+            <a:off x="678944" y="4261376"/>
+            <a:ext cx="3448805" cy="338435"/>
           </a:xfrm>
           <a:prstGeom prst="bentConnector2">
             <a:avLst/>
@@ -4743,8 +4743,8 @@
         </p:nvCxnSpPr>
         <p:spPr>
           <a:xfrm rot="5400000">
-            <a:off x="3409976" y="2562187"/>
-            <a:ext cx="2396180" cy="1843807"/>
+            <a:off x="2869915" y="3089312"/>
+            <a:ext cx="3463366" cy="1856742"/>
           </a:xfrm>
           <a:prstGeom prst="bentConnector2">
             <a:avLst/>
@@ -4784,8 +4784,8 @@
         </p:nvCxnSpPr>
         <p:spPr>
           <a:xfrm rot="5400000">
-            <a:off x="3208856" y="2763307"/>
-            <a:ext cx="2798421" cy="1843806"/>
+            <a:off x="2663586" y="3288613"/>
+            <a:ext cx="3868997" cy="1863770"/>
           </a:xfrm>
           <a:prstGeom prst="bentConnector2">
             <a:avLst/>
@@ -5437,6 +5437,676 @@
           <a:xfrm flipV="1">
             <a:off x="4114799" y="4472708"/>
             <a:ext cx="2642195" cy="101600"/>
+          </a:xfrm>
+          <a:custGeom>
+            <a:avLst/>
+            <a:gdLst>
+              <a:gd name="connsiteX0" fmla="*/ 0 w 3048000"/>
+              <a:gd name="connsiteY0" fmla="*/ 203200 h 203200"/>
+              <a:gd name="connsiteX1" fmla="*/ 221673 w 3048000"/>
+              <a:gd name="connsiteY1" fmla="*/ 0 h 203200"/>
+              <a:gd name="connsiteX2" fmla="*/ 3048000 w 3048000"/>
+              <a:gd name="connsiteY2" fmla="*/ 0 h 203200"/>
+            </a:gdLst>
+            <a:ahLst/>
+            <a:cxnLst>
+              <a:cxn ang="0">
+                <a:pos x="connsiteX0" y="connsiteY0"/>
+              </a:cxn>
+              <a:cxn ang="0">
+                <a:pos x="connsiteX1" y="connsiteY1"/>
+              </a:cxn>
+              <a:cxn ang="0">
+                <a:pos x="connsiteX2" y="connsiteY2"/>
+              </a:cxn>
+            </a:cxnLst>
+            <a:rect l="l" t="t" r="r" b="b"/>
+            <a:pathLst>
+              <a:path w="3048000" h="203200">
+                <a:moveTo>
+                  <a:pt x="0" y="203200"/>
+                </a:moveTo>
+                <a:lnTo>
+                  <a:pt x="221673" y="0"/>
+                </a:lnTo>
+                <a:lnTo>
+                  <a:pt x="3048000" y="0"/>
+                </a:lnTo>
+              </a:path>
+            </a:pathLst>
+          </a:custGeom>
+          <a:noFill/>
+          <a:ln w="19050">
+            <a:solidFill>
+              <a:schemeClr val="accent3"/>
+            </a:solidFill>
+            <a:prstDash val="sysDot"/>
+            <a:headEnd type="none" w="med" len="med"/>
+            <a:tailEnd type="arrow" w="med" len="med"/>
+          </a:ln>
+          <a:effectLst/>
+        </p:spPr>
+        <p:style>
+          <a:lnRef idx="1">
+            <a:schemeClr val="accent2"/>
+          </a:lnRef>
+          <a:fillRef idx="2">
+            <a:schemeClr val="accent2"/>
+          </a:fillRef>
+          <a:effectRef idx="1">
+            <a:schemeClr val="accent2"/>
+          </a:effectRef>
+          <a:fontRef idx="minor">
+            <a:schemeClr val="dk1"/>
+          </a:fontRef>
+        </p:style>
+        <p:txBody>
+          <a:bodyPr rtlCol="0" anchor="ctr"/>
+          <a:lstStyle/>
+          <a:p>
+            <a:pPr algn="ctr"/>
+            <a:endParaRPr lang="en-SG"/>
+          </a:p>
+        </p:txBody>
+      </p:sp>
+      <p:sp>
+        <p:nvSpPr>
+          <p:cNvPr id="48" name="Rectangle 11"/>
+          <p:cNvSpPr/>
+          <p:nvPr/>
+        </p:nvSpPr>
+        <p:spPr>
+          <a:xfrm>
+            <a:off x="2582371" y="4523410"/>
+            <a:ext cx="1093635" cy="236841"/>
+          </a:xfrm>
+          <a:prstGeom prst="rect">
+            <a:avLst/>
+          </a:prstGeom>
+          <a:ln w="19050">
+            <a:solidFill>
+              <a:schemeClr val="accent3"/>
+            </a:solidFill>
+          </a:ln>
+          <a:effectLst/>
+        </p:spPr>
+        <p:style>
+          <a:lnRef idx="1">
+            <a:schemeClr val="accent3"/>
+          </a:lnRef>
+          <a:fillRef idx="2">
+            <a:schemeClr val="accent3"/>
+          </a:fillRef>
+          <a:effectRef idx="1">
+            <a:schemeClr val="accent3"/>
+          </a:effectRef>
+          <a:fontRef idx="minor">
+            <a:schemeClr val="dk1"/>
+          </a:fontRef>
+        </p:style>
+        <p:txBody>
+          <a:bodyPr rtlCol="0" anchor="ctr"/>
+          <a:lstStyle/>
+          <a:p>
+            <a:pPr algn="ctr"/>
+            <a:r>
+              <a:rPr lang="en-US" sz="1050" b="1" dirty="0" err="1" smtClean="0">
+                <a:solidFill>
+                  <a:schemeClr val="accent3">
+                    <a:lumMod val="75000"/>
+                  </a:schemeClr>
+                </a:solidFill>
+              </a:rPr>
+              <a:t>EventListPanel</a:t>
+            </a:r>
+            <a:endParaRPr lang="en-SG" sz="1050" b="1" dirty="0">
+              <a:solidFill>
+                <a:schemeClr val="accent3">
+                  <a:lumMod val="75000"/>
+                </a:schemeClr>
+              </a:solidFill>
+            </a:endParaRPr>
+          </a:p>
+        </p:txBody>
+      </p:sp>
+      <p:cxnSp>
+        <p:nvCxnSpPr>
+          <p:cNvPr id="55" name="Elbow Connector 63"/>
+          <p:cNvCxnSpPr/>
+          <p:nvPr/>
+        </p:nvCxnSpPr>
+        <p:spPr>
+          <a:xfrm rot="16200000" flipH="1">
+            <a:off x="1877270" y="3960645"/>
+            <a:ext cx="1242356" cy="176400"/>
+          </a:xfrm>
+          <a:prstGeom prst="bentConnector2">
+            <a:avLst/>
+          </a:prstGeom>
+          <a:ln w="19050">
+            <a:solidFill>
+              <a:schemeClr val="accent3"/>
+            </a:solidFill>
+            <a:headEnd type="none" w="med" len="med"/>
+            <a:tailEnd type="arrow" w="med" len="med"/>
+          </a:ln>
+          <a:effectLst/>
+        </p:spPr>
+        <p:style>
+          <a:lnRef idx="1">
+            <a:schemeClr val="accent2"/>
+          </a:lnRef>
+          <a:fillRef idx="2">
+            <a:schemeClr val="accent2"/>
+          </a:fillRef>
+          <a:effectRef idx="1">
+            <a:schemeClr val="accent2"/>
+          </a:effectRef>
+          <a:fontRef idx="minor">
+            <a:schemeClr val="dk1"/>
+          </a:fontRef>
+        </p:style>
+      </p:cxnSp>
+      <p:cxnSp>
+        <p:nvCxnSpPr>
+          <p:cNvPr id="56" name="Elbow Connector 55"/>
+          <p:cNvCxnSpPr/>
+          <p:nvPr/>
+        </p:nvCxnSpPr>
+        <p:spPr>
+          <a:xfrm rot="16200000" flipH="1">
+            <a:off x="3425871" y="4475668"/>
+            <a:ext cx="118421" cy="699979"/>
+          </a:xfrm>
+          <a:prstGeom prst="bentConnector2">
+            <a:avLst/>
+          </a:prstGeom>
+          <a:ln w="19050">
+            <a:solidFill>
+              <a:schemeClr val="accent3"/>
+            </a:solidFill>
+            <a:headEnd type="none" w="med" len="med"/>
+            <a:tailEnd type="arrow" w="med" len="med"/>
+          </a:ln>
+          <a:effectLst/>
+        </p:spPr>
+        <p:style>
+          <a:lnRef idx="1">
+            <a:schemeClr val="accent2"/>
+          </a:lnRef>
+          <a:fillRef idx="2">
+            <a:schemeClr val="accent2"/>
+          </a:fillRef>
+          <a:effectRef idx="1">
+            <a:schemeClr val="accent2"/>
+          </a:effectRef>
+          <a:fontRef idx="minor">
+            <a:schemeClr val="dk1"/>
+          </a:fontRef>
+        </p:style>
+      </p:cxnSp>
+      <p:sp>
+        <p:nvSpPr>
+          <p:cNvPr id="57" name="Rectangle 11"/>
+          <p:cNvSpPr/>
+          <p:nvPr/>
+        </p:nvSpPr>
+        <p:spPr>
+          <a:xfrm>
+            <a:off x="3847682" y="4755411"/>
+            <a:ext cx="1040906" cy="236841"/>
+          </a:xfrm>
+          <a:prstGeom prst="rect">
+            <a:avLst/>
+          </a:prstGeom>
+          <a:ln w="19050">
+            <a:solidFill>
+              <a:schemeClr val="accent3"/>
+            </a:solidFill>
+          </a:ln>
+          <a:effectLst/>
+        </p:spPr>
+        <p:style>
+          <a:lnRef idx="1">
+            <a:schemeClr val="accent3"/>
+          </a:lnRef>
+          <a:fillRef idx="2">
+            <a:schemeClr val="accent3"/>
+          </a:fillRef>
+          <a:effectRef idx="1">
+            <a:schemeClr val="accent3"/>
+          </a:effectRef>
+          <a:fontRef idx="minor">
+            <a:schemeClr val="dk1"/>
+          </a:fontRef>
+        </p:style>
+        <p:txBody>
+          <a:bodyPr rtlCol="0" anchor="ctr"/>
+          <a:lstStyle/>
+          <a:p>
+            <a:pPr algn="ctr"/>
+            <a:r>
+              <a:rPr lang="en-US" sz="1050" b="1" dirty="0" err="1" smtClean="0">
+                <a:solidFill>
+                  <a:schemeClr val="accent3">
+                    <a:lumMod val="75000"/>
+                  </a:schemeClr>
+                </a:solidFill>
+              </a:rPr>
+              <a:t>EventCard</a:t>
+            </a:r>
+            <a:endParaRPr lang="en-SG" sz="1050" b="1" dirty="0">
+              <a:solidFill>
+                <a:schemeClr val="accent3">
+                  <a:lumMod val="75000"/>
+                </a:schemeClr>
+              </a:solidFill>
+            </a:endParaRPr>
+          </a:p>
+        </p:txBody>
+      </p:sp>
+      <p:cxnSp>
+        <p:nvCxnSpPr>
+          <p:cNvPr id="58" name="Elbow Connector 63"/>
+          <p:cNvCxnSpPr/>
+          <p:nvPr/>
+        </p:nvCxnSpPr>
+        <p:spPr>
+          <a:xfrm rot="5400000">
+            <a:off x="4170236" y="3534542"/>
+            <a:ext cx="2061222" cy="649740"/>
+          </a:xfrm>
+          <a:prstGeom prst="bentConnector2">
+            <a:avLst/>
+          </a:prstGeom>
+          <a:ln w="6350">
+            <a:solidFill>
+              <a:schemeClr val="accent3"/>
+            </a:solidFill>
+            <a:headEnd type="none" w="med" len="med"/>
+            <a:tailEnd type="none" w="med" len="med"/>
+          </a:ln>
+          <a:effectLst/>
+        </p:spPr>
+        <p:style>
+          <a:lnRef idx="1">
+            <a:schemeClr val="accent2"/>
+          </a:lnRef>
+          <a:fillRef idx="2">
+            <a:schemeClr val="accent2"/>
+          </a:fillRef>
+          <a:effectRef idx="1">
+            <a:schemeClr val="accent2"/>
+          </a:effectRef>
+          <a:fontRef idx="minor">
+            <a:schemeClr val="dk1"/>
+          </a:fontRef>
+        </p:style>
+      </p:cxnSp>
+      <p:sp>
+        <p:nvSpPr>
+          <p:cNvPr id="59" name="Freeform 58"/>
+          <p:cNvSpPr/>
+          <p:nvPr/>
+        </p:nvSpPr>
+        <p:spPr>
+          <a:xfrm flipV="1">
+            <a:off x="4121418" y="5008418"/>
+            <a:ext cx="2642195" cy="101600"/>
+          </a:xfrm>
+          <a:custGeom>
+            <a:avLst/>
+            <a:gdLst>
+              <a:gd name="connsiteX0" fmla="*/ 0 w 3048000"/>
+              <a:gd name="connsiteY0" fmla="*/ 203200 h 203200"/>
+              <a:gd name="connsiteX1" fmla="*/ 221673 w 3048000"/>
+              <a:gd name="connsiteY1" fmla="*/ 0 h 203200"/>
+              <a:gd name="connsiteX2" fmla="*/ 3048000 w 3048000"/>
+              <a:gd name="connsiteY2" fmla="*/ 0 h 203200"/>
+            </a:gdLst>
+            <a:ahLst/>
+            <a:cxnLst>
+              <a:cxn ang="0">
+                <a:pos x="connsiteX0" y="connsiteY0"/>
+              </a:cxn>
+              <a:cxn ang="0">
+                <a:pos x="connsiteX1" y="connsiteY1"/>
+              </a:cxn>
+              <a:cxn ang="0">
+                <a:pos x="connsiteX2" y="connsiteY2"/>
+              </a:cxn>
+            </a:cxnLst>
+            <a:rect l="l" t="t" r="r" b="b"/>
+            <a:pathLst>
+              <a:path w="3048000" h="203200">
+                <a:moveTo>
+                  <a:pt x="0" y="203200"/>
+                </a:moveTo>
+                <a:lnTo>
+                  <a:pt x="221673" y="0"/>
+                </a:lnTo>
+                <a:lnTo>
+                  <a:pt x="3048000" y="0"/>
+                </a:lnTo>
+              </a:path>
+            </a:pathLst>
+          </a:custGeom>
+          <a:noFill/>
+          <a:ln w="19050">
+            <a:solidFill>
+              <a:schemeClr val="accent3"/>
+            </a:solidFill>
+            <a:prstDash val="sysDot"/>
+            <a:headEnd type="none" w="med" len="med"/>
+            <a:tailEnd type="arrow" w="med" len="med"/>
+          </a:ln>
+          <a:effectLst/>
+        </p:spPr>
+        <p:style>
+          <a:lnRef idx="1">
+            <a:schemeClr val="accent2"/>
+          </a:lnRef>
+          <a:fillRef idx="2">
+            <a:schemeClr val="accent2"/>
+          </a:fillRef>
+          <a:effectRef idx="1">
+            <a:schemeClr val="accent2"/>
+          </a:effectRef>
+          <a:fontRef idx="minor">
+            <a:schemeClr val="dk1"/>
+          </a:fontRef>
+        </p:style>
+        <p:txBody>
+          <a:bodyPr rtlCol="0" anchor="ctr"/>
+          <a:lstStyle/>
+          <a:p>
+            <a:pPr algn="ctr"/>
+            <a:endParaRPr lang="en-SG"/>
+          </a:p>
+        </p:txBody>
+      </p:sp>
+      <p:sp>
+        <p:nvSpPr>
+          <p:cNvPr id="64" name="Rectangle 11"/>
+          <p:cNvSpPr/>
+          <p:nvPr/>
+        </p:nvSpPr>
+        <p:spPr>
+          <a:xfrm>
+            <a:off x="2579592" y="5091274"/>
+            <a:ext cx="1093635" cy="236841"/>
+          </a:xfrm>
+          <a:prstGeom prst="rect">
+            <a:avLst/>
+          </a:prstGeom>
+          <a:ln w="19050">
+            <a:solidFill>
+              <a:schemeClr val="accent3"/>
+            </a:solidFill>
+          </a:ln>
+          <a:effectLst/>
+        </p:spPr>
+        <p:style>
+          <a:lnRef idx="1">
+            <a:schemeClr val="accent3"/>
+          </a:lnRef>
+          <a:fillRef idx="2">
+            <a:schemeClr val="accent3"/>
+          </a:fillRef>
+          <a:effectRef idx="1">
+            <a:schemeClr val="accent3"/>
+          </a:effectRef>
+          <a:fontRef idx="minor">
+            <a:schemeClr val="dk1"/>
+          </a:fontRef>
+        </p:style>
+        <p:txBody>
+          <a:bodyPr rtlCol="0" anchor="ctr"/>
+          <a:lstStyle/>
+          <a:p>
+            <a:pPr algn="ctr"/>
+            <a:r>
+              <a:rPr lang="en-US" sz="1050" b="1" dirty="0" err="1" smtClean="0">
+                <a:solidFill>
+                  <a:schemeClr val="accent3">
+                    <a:lumMod val="75000"/>
+                  </a:schemeClr>
+                </a:solidFill>
+              </a:rPr>
+              <a:t>GroupListPanel</a:t>
+            </a:r>
+            <a:endParaRPr lang="en-SG" sz="1050" b="1" dirty="0">
+              <a:solidFill>
+                <a:schemeClr val="accent3">
+                  <a:lumMod val="75000"/>
+                </a:schemeClr>
+              </a:solidFill>
+            </a:endParaRPr>
+          </a:p>
+        </p:txBody>
+      </p:sp>
+      <p:cxnSp>
+        <p:nvCxnSpPr>
+          <p:cNvPr id="65" name="Elbow Connector 63"/>
+          <p:cNvCxnSpPr/>
+          <p:nvPr/>
+        </p:nvCxnSpPr>
+        <p:spPr>
+          <a:xfrm rot="16200000" flipH="1">
+            <a:off x="1882256" y="4504804"/>
+            <a:ext cx="1242356" cy="176400"/>
+          </a:xfrm>
+          <a:prstGeom prst="bentConnector2">
+            <a:avLst/>
+          </a:prstGeom>
+          <a:ln w="19050">
+            <a:solidFill>
+              <a:schemeClr val="accent3"/>
+            </a:solidFill>
+            <a:headEnd type="none" w="med" len="med"/>
+            <a:tailEnd type="arrow" w="med" len="med"/>
+          </a:ln>
+          <a:effectLst/>
+        </p:spPr>
+        <p:style>
+          <a:lnRef idx="1">
+            <a:schemeClr val="accent2"/>
+          </a:lnRef>
+          <a:fillRef idx="2">
+            <a:schemeClr val="accent2"/>
+          </a:fillRef>
+          <a:effectRef idx="1">
+            <a:schemeClr val="accent2"/>
+          </a:effectRef>
+          <a:fontRef idx="minor">
+            <a:schemeClr val="dk1"/>
+          </a:fontRef>
+        </p:style>
+      </p:cxnSp>
+      <p:cxnSp>
+        <p:nvCxnSpPr>
+          <p:cNvPr id="66" name="Elbow Connector 63"/>
+          <p:cNvCxnSpPr/>
+          <p:nvPr/>
+        </p:nvCxnSpPr>
+        <p:spPr>
+          <a:xfrm rot="5400000">
+            <a:off x="3691622" y="2829150"/>
+            <a:ext cx="1824381" cy="1843808"/>
+          </a:xfrm>
+          <a:prstGeom prst="bentConnector2">
+            <a:avLst/>
+          </a:prstGeom>
+          <a:ln w="6350">
+            <a:solidFill>
+              <a:schemeClr val="accent3"/>
+            </a:solidFill>
+            <a:headEnd type="none" w="med" len="med"/>
+            <a:tailEnd type="none" w="med" len="med"/>
+          </a:ln>
+          <a:effectLst/>
+        </p:spPr>
+        <p:style>
+          <a:lnRef idx="1">
+            <a:schemeClr val="accent2"/>
+          </a:lnRef>
+          <a:fillRef idx="2">
+            <a:schemeClr val="accent2"/>
+          </a:fillRef>
+          <a:effectRef idx="1">
+            <a:schemeClr val="accent2"/>
+          </a:effectRef>
+          <a:fontRef idx="minor">
+            <a:schemeClr val="dk1"/>
+          </a:fontRef>
+        </p:style>
+      </p:cxnSp>
+      <p:cxnSp>
+        <p:nvCxnSpPr>
+          <p:cNvPr id="68" name="Elbow Connector 63"/>
+          <p:cNvCxnSpPr/>
+          <p:nvPr/>
+        </p:nvCxnSpPr>
+        <p:spPr>
+          <a:xfrm rot="5400000">
+            <a:off x="3688842" y="3392082"/>
+            <a:ext cx="1824381" cy="1843808"/>
+          </a:xfrm>
+          <a:prstGeom prst="bentConnector2">
+            <a:avLst/>
+          </a:prstGeom>
+          <a:ln w="6350">
+            <a:solidFill>
+              <a:schemeClr val="accent3"/>
+            </a:solidFill>
+            <a:headEnd type="none" w="med" len="med"/>
+            <a:tailEnd type="none" w="med" len="med"/>
+          </a:ln>
+          <a:effectLst/>
+        </p:spPr>
+        <p:style>
+          <a:lnRef idx="1">
+            <a:schemeClr val="accent2"/>
+          </a:lnRef>
+          <a:fillRef idx="2">
+            <a:schemeClr val="accent2"/>
+          </a:fillRef>
+          <a:effectRef idx="1">
+            <a:schemeClr val="accent2"/>
+          </a:effectRef>
+          <a:fontRef idx="minor">
+            <a:schemeClr val="dk1"/>
+          </a:fontRef>
+        </p:style>
+      </p:cxnSp>
+      <p:cxnSp>
+        <p:nvCxnSpPr>
+          <p:cNvPr id="72" name="Elbow Connector 71"/>
+          <p:cNvCxnSpPr/>
+          <p:nvPr/>
+        </p:nvCxnSpPr>
+        <p:spPr>
+          <a:xfrm rot="16200000" flipH="1">
+            <a:off x="3424866" y="5035498"/>
+            <a:ext cx="118421" cy="699979"/>
+          </a:xfrm>
+          <a:prstGeom prst="bentConnector2">
+            <a:avLst/>
+          </a:prstGeom>
+          <a:ln w="19050">
+            <a:solidFill>
+              <a:schemeClr val="accent3"/>
+            </a:solidFill>
+            <a:headEnd type="none" w="med" len="med"/>
+            <a:tailEnd type="arrow" w="med" len="med"/>
+          </a:ln>
+          <a:effectLst/>
+        </p:spPr>
+        <p:style>
+          <a:lnRef idx="1">
+            <a:schemeClr val="accent2"/>
+          </a:lnRef>
+          <a:fillRef idx="2">
+            <a:schemeClr val="accent2"/>
+          </a:fillRef>
+          <a:effectRef idx="1">
+            <a:schemeClr val="accent2"/>
+          </a:effectRef>
+          <a:fontRef idx="minor">
+            <a:schemeClr val="dk1"/>
+          </a:fontRef>
+        </p:style>
+      </p:cxnSp>
+      <p:sp>
+        <p:nvSpPr>
+          <p:cNvPr id="75" name="Rectangle 11"/>
+          <p:cNvSpPr/>
+          <p:nvPr/>
+        </p:nvSpPr>
+        <p:spPr>
+          <a:xfrm>
+            <a:off x="3824907" y="5344572"/>
+            <a:ext cx="1040906" cy="236841"/>
+          </a:xfrm>
+          <a:prstGeom prst="rect">
+            <a:avLst/>
+          </a:prstGeom>
+          <a:ln w="19050">
+            <a:solidFill>
+              <a:schemeClr val="accent3"/>
+            </a:solidFill>
+          </a:ln>
+          <a:effectLst/>
+        </p:spPr>
+        <p:style>
+          <a:lnRef idx="1">
+            <a:schemeClr val="accent3"/>
+          </a:lnRef>
+          <a:fillRef idx="2">
+            <a:schemeClr val="accent3"/>
+          </a:fillRef>
+          <a:effectRef idx="1">
+            <a:schemeClr val="accent3"/>
+          </a:effectRef>
+          <a:fontRef idx="minor">
+            <a:schemeClr val="dk1"/>
+          </a:fontRef>
+        </p:style>
+        <p:txBody>
+          <a:bodyPr rtlCol="0" anchor="ctr"/>
+          <a:lstStyle/>
+          <a:p>
+            <a:pPr algn="ctr"/>
+            <a:r>
+              <a:rPr lang="en-US" sz="1050" b="1" dirty="0" err="1" smtClean="0">
+                <a:solidFill>
+                  <a:schemeClr val="accent3">
+                    <a:lumMod val="75000"/>
+                  </a:schemeClr>
+                </a:solidFill>
+              </a:rPr>
+              <a:t>GroupCard</a:t>
+            </a:r>
+            <a:endParaRPr lang="en-SG" sz="1050" b="1" dirty="0">
+              <a:solidFill>
+                <a:schemeClr val="accent3">
+                  <a:lumMod val="75000"/>
+                </a:schemeClr>
+              </a:solidFill>
+            </a:endParaRPr>
+          </a:p>
+        </p:txBody>
+      </p:sp>
+      <p:sp>
+        <p:nvSpPr>
+          <p:cNvPr id="79" name="Freeform 78"/>
+          <p:cNvSpPr/>
+          <p:nvPr/>
+        </p:nvSpPr>
+        <p:spPr>
+          <a:xfrm>
+            <a:off x="4888587" y="5317042"/>
+            <a:ext cx="1875026" cy="155368"/>
           </a:xfrm>
           <a:custGeom>
             <a:avLst/>

--- a/docs/diagrams/UiComponentClassDiagram.pptx
+++ b/docs/diagrams/UiComponentClassDiagram.pptx
@@ -208,7 +208,7 @@
           <a:p>
             <a:fld id="{F5CC4B3F-88C1-4FFA-B1B6-F41C21DC6924}" type="datetimeFigureOut">
               <a:rPr lang="en-US" smtClean="0"/>
-              <a:t>1/7/2017</a:t>
+              <a:t>11/11/2017</a:t>
             </a:fld>
             <a:endParaRPr lang="en-US"/>
           </a:p>
@@ -654,7 +654,7 @@
           <a:p>
             <a:fld id="{78C97017-6FC3-485B-9764-EAC9E56C1D49}" type="datetimeFigureOut">
               <a:rPr lang="en-US" smtClean="0"/>
-              <a:t>1/7/2017</a:t>
+              <a:t>11/11/2017</a:t>
             </a:fld>
             <a:endParaRPr lang="en-US"/>
           </a:p>
@@ -822,7 +822,7 @@
           <a:p>
             <a:fld id="{78C97017-6FC3-485B-9764-EAC9E56C1D49}" type="datetimeFigureOut">
               <a:rPr lang="en-US" smtClean="0"/>
-              <a:t>1/7/2017</a:t>
+              <a:t>11/11/2017</a:t>
             </a:fld>
             <a:endParaRPr lang="en-US"/>
           </a:p>
@@ -1000,7 +1000,7 @@
           <a:p>
             <a:fld id="{78C97017-6FC3-485B-9764-EAC9E56C1D49}" type="datetimeFigureOut">
               <a:rPr lang="en-US" smtClean="0"/>
-              <a:t>1/7/2017</a:t>
+              <a:t>11/11/2017</a:t>
             </a:fld>
             <a:endParaRPr lang="en-US"/>
           </a:p>
@@ -1168,7 +1168,7 @@
           <a:p>
             <a:fld id="{78C97017-6FC3-485B-9764-EAC9E56C1D49}" type="datetimeFigureOut">
               <a:rPr lang="en-US" smtClean="0"/>
-              <a:t>1/7/2017</a:t>
+              <a:t>11/11/2017</a:t>
             </a:fld>
             <a:endParaRPr lang="en-US"/>
           </a:p>
@@ -1413,7 +1413,7 @@
           <a:p>
             <a:fld id="{78C97017-6FC3-485B-9764-EAC9E56C1D49}" type="datetimeFigureOut">
               <a:rPr lang="en-US" smtClean="0"/>
-              <a:t>1/7/2017</a:t>
+              <a:t>11/11/2017</a:t>
             </a:fld>
             <a:endParaRPr lang="en-US"/>
           </a:p>
@@ -1698,7 +1698,7 @@
           <a:p>
             <a:fld id="{78C97017-6FC3-485B-9764-EAC9E56C1D49}" type="datetimeFigureOut">
               <a:rPr lang="en-US" smtClean="0"/>
-              <a:t>1/7/2017</a:t>
+              <a:t>11/11/2017</a:t>
             </a:fld>
             <a:endParaRPr lang="en-US"/>
           </a:p>
@@ -2117,7 +2117,7 @@
           <a:p>
             <a:fld id="{78C97017-6FC3-485B-9764-EAC9E56C1D49}" type="datetimeFigureOut">
               <a:rPr lang="en-US" smtClean="0"/>
-              <a:t>1/7/2017</a:t>
+              <a:t>11/11/2017</a:t>
             </a:fld>
             <a:endParaRPr lang="en-US"/>
           </a:p>
@@ -2234,7 +2234,7 @@
           <a:p>
             <a:fld id="{78C97017-6FC3-485B-9764-EAC9E56C1D49}" type="datetimeFigureOut">
               <a:rPr lang="en-US" smtClean="0"/>
-              <a:t>1/7/2017</a:t>
+              <a:t>11/11/2017</a:t>
             </a:fld>
             <a:endParaRPr lang="en-US"/>
           </a:p>
@@ -2329,7 +2329,7 @@
           <a:p>
             <a:fld id="{78C97017-6FC3-485B-9764-EAC9E56C1D49}" type="datetimeFigureOut">
               <a:rPr lang="en-US" smtClean="0"/>
-              <a:t>1/7/2017</a:t>
+              <a:t>11/11/2017</a:t>
             </a:fld>
             <a:endParaRPr lang="en-US"/>
           </a:p>
@@ -2604,7 +2604,7 @@
           <a:p>
             <a:fld id="{78C97017-6FC3-485B-9764-EAC9E56C1D49}" type="datetimeFigureOut">
               <a:rPr lang="en-US" smtClean="0"/>
-              <a:t>1/7/2017</a:t>
+              <a:t>11/11/2017</a:t>
             </a:fld>
             <a:endParaRPr lang="en-US"/>
           </a:p>
@@ -2856,7 +2856,7 @@
           <a:p>
             <a:fld id="{78C97017-6FC3-485B-9764-EAC9E56C1D49}" type="datetimeFigureOut">
               <a:rPr lang="en-US" smtClean="0"/>
-              <a:t>1/7/2017</a:t>
+              <a:t>11/11/2017</a:t>
             </a:fld>
             <a:endParaRPr lang="en-US"/>
           </a:p>
@@ -3067,7 +3067,7 @@
           <a:p>
             <a:fld id="{78C97017-6FC3-485B-9764-EAC9E56C1D49}" type="datetimeFigureOut">
               <a:rPr lang="en-US" smtClean="0"/>
-              <a:t>1/7/2017</a:t>
+              <a:t>11/11/2017</a:t>
             </a:fld>
             <a:endParaRPr lang="en-US"/>
           </a:p>
@@ -3451,7 +3451,7 @@
         <p:spPr>
           <a:xfrm>
             <a:off x="1217465" y="1447800"/>
-            <a:ext cx="4917083" cy="3962400"/>
+            <a:ext cx="4917083" cy="5029200"/>
           </a:xfrm>
           <a:prstGeom prst="roundRect">
             <a:avLst>
@@ -3945,7 +3945,7 @@
         </p:nvSpPr>
         <p:spPr>
           <a:xfrm>
-            <a:off x="2592527" y="4563759"/>
+            <a:off x="2579592" y="5630945"/>
             <a:ext cx="1093635" cy="236841"/>
           </a:xfrm>
           <a:prstGeom prst="rect">
@@ -4125,7 +4125,7 @@
         </p:nvSpPr>
         <p:spPr>
           <a:xfrm>
-            <a:off x="2592528" y="4966000"/>
+            <a:off x="2572564" y="6036576"/>
             <a:ext cx="1093635" cy="236841"/>
           </a:xfrm>
           <a:prstGeom prst="rect">
@@ -4419,8 +4419,8 @@
         </p:nvCxnSpPr>
         <p:spPr>
           <a:xfrm rot="16200000" flipH="1">
-            <a:off x="1597249" y="3686901"/>
-            <a:ext cx="1814155" cy="176401"/>
+            <a:off x="1057189" y="4226962"/>
+            <a:ext cx="2881341" cy="163466"/>
           </a:xfrm>
           <a:prstGeom prst="bentConnector2">
             <a:avLst/>
@@ -4459,8 +4459,8 @@
         </p:nvCxnSpPr>
         <p:spPr>
           <a:xfrm rot="16200000" flipH="1">
-            <a:off x="1184119" y="3676012"/>
-            <a:ext cx="2396440" cy="420377"/>
+            <a:off x="678944" y="4261376"/>
+            <a:ext cx="3448805" cy="338435"/>
           </a:xfrm>
           <a:prstGeom prst="bentConnector2">
             <a:avLst/>
@@ -4743,8 +4743,8 @@
         </p:nvCxnSpPr>
         <p:spPr>
           <a:xfrm rot="5400000">
-            <a:off x="3409976" y="2562187"/>
-            <a:ext cx="2396180" cy="1843807"/>
+            <a:off x="2869915" y="3089312"/>
+            <a:ext cx="3463366" cy="1856742"/>
           </a:xfrm>
           <a:prstGeom prst="bentConnector2">
             <a:avLst/>
@@ -4784,8 +4784,8 @@
         </p:nvCxnSpPr>
         <p:spPr>
           <a:xfrm rot="5400000">
-            <a:off x="3208856" y="2763307"/>
-            <a:ext cx="2798421" cy="1843806"/>
+            <a:off x="2663586" y="3288613"/>
+            <a:ext cx="3868997" cy="1863770"/>
           </a:xfrm>
           <a:prstGeom prst="bentConnector2">
             <a:avLst/>
@@ -5437,6 +5437,686 @@
           <a:xfrm flipV="1">
             <a:off x="4114799" y="4472708"/>
             <a:ext cx="2642195" cy="101600"/>
+          </a:xfrm>
+          <a:custGeom>
+            <a:avLst/>
+            <a:gdLst>
+              <a:gd name="connsiteX0" fmla="*/ 0 w 3048000"/>
+              <a:gd name="connsiteY0" fmla="*/ 203200 h 203200"/>
+              <a:gd name="connsiteX1" fmla="*/ 221673 w 3048000"/>
+              <a:gd name="connsiteY1" fmla="*/ 0 h 203200"/>
+              <a:gd name="connsiteX2" fmla="*/ 3048000 w 3048000"/>
+              <a:gd name="connsiteY2" fmla="*/ 0 h 203200"/>
+            </a:gdLst>
+            <a:ahLst/>
+            <a:cxnLst>
+              <a:cxn ang="0">
+                <a:pos x="connsiteX0" y="connsiteY0"/>
+              </a:cxn>
+              <a:cxn ang="0">
+                <a:pos x="connsiteX1" y="connsiteY1"/>
+              </a:cxn>
+              <a:cxn ang="0">
+                <a:pos x="connsiteX2" y="connsiteY2"/>
+              </a:cxn>
+            </a:cxnLst>
+            <a:rect l="l" t="t" r="r" b="b"/>
+            <a:pathLst>
+              <a:path w="3048000" h="203200">
+                <a:moveTo>
+                  <a:pt x="0" y="203200"/>
+                </a:moveTo>
+                <a:lnTo>
+                  <a:pt x="221673" y="0"/>
+                </a:lnTo>
+                <a:lnTo>
+                  <a:pt x="3048000" y="0"/>
+                </a:lnTo>
+              </a:path>
+            </a:pathLst>
+          </a:custGeom>
+          <a:noFill/>
+          <a:ln w="19050">
+            <a:solidFill>
+              <a:schemeClr val="accent3"/>
+            </a:solidFill>
+            <a:prstDash val="sysDot"/>
+            <a:headEnd type="none" w="med" len="med"/>
+            <a:tailEnd type="arrow" w="med" len="med"/>
+          </a:ln>
+          <a:effectLst/>
+        </p:spPr>
+        <p:style>
+          <a:lnRef idx="1">
+            <a:schemeClr val="accent2"/>
+          </a:lnRef>
+          <a:fillRef idx="2">
+            <a:schemeClr val="accent2"/>
+          </a:fillRef>
+          <a:effectRef idx="1">
+            <a:schemeClr val="accent2"/>
+          </a:effectRef>
+          <a:fontRef idx="minor">
+            <a:schemeClr val="dk1"/>
+          </a:fontRef>
+        </p:style>
+        <p:txBody>
+          <a:bodyPr rtlCol="0" anchor="ctr"/>
+          <a:lstStyle/>
+          <a:p>
+            <a:pPr algn="ctr"/>
+            <a:endParaRPr lang="en-SG"/>
+          </a:p>
+        </p:txBody>
+      </p:sp>
+      <p:sp>
+        <p:nvSpPr>
+          <p:cNvPr id="48" name="Rectangle 11"/>
+          <p:cNvSpPr/>
+          <p:nvPr/>
+        </p:nvSpPr>
+        <p:spPr>
+          <a:xfrm>
+            <a:off x="2582371" y="4523410"/>
+            <a:ext cx="1093635" cy="236841"/>
+          </a:xfrm>
+          <a:prstGeom prst="rect">
+            <a:avLst/>
+          </a:prstGeom>
+          <a:ln w="19050">
+            <a:solidFill>
+              <a:schemeClr val="accent3"/>
+            </a:solidFill>
+          </a:ln>
+          <a:effectLst/>
+        </p:spPr>
+        <p:style>
+          <a:lnRef idx="1">
+            <a:schemeClr val="accent3"/>
+          </a:lnRef>
+          <a:fillRef idx="2">
+            <a:schemeClr val="accent3"/>
+          </a:fillRef>
+          <a:effectRef idx="1">
+            <a:schemeClr val="accent3"/>
+          </a:effectRef>
+          <a:fontRef idx="minor">
+            <a:schemeClr val="dk1"/>
+          </a:fontRef>
+        </p:style>
+        <p:txBody>
+          <a:bodyPr rtlCol="0" anchor="ctr"/>
+          <a:lstStyle/>
+          <a:p>
+            <a:pPr algn="ctr"/>
+            <a:r>
+              <a:rPr lang="en-US" sz="1050" b="1" dirty="0" err="1" smtClean="0">
+                <a:solidFill>
+                  <a:schemeClr val="accent3">
+                    <a:lumMod val="75000"/>
+                  </a:schemeClr>
+                </a:solidFill>
+              </a:rPr>
+              <a:t>Event</a:t>
+            </a:r>
+            <a:r>
+              <a:rPr lang="en-US" sz="1050" b="1" dirty="0" err="1" smtClean="0">
+                <a:solidFill>
+                  <a:schemeClr val="accent3">
+                    <a:lumMod val="75000"/>
+                  </a:schemeClr>
+                </a:solidFill>
+              </a:rPr>
+              <a:t>ListPanel</a:t>
+            </a:r>
+            <a:endParaRPr lang="en-SG" sz="1050" b="1" dirty="0">
+              <a:solidFill>
+                <a:schemeClr val="accent3">
+                  <a:lumMod val="75000"/>
+                </a:schemeClr>
+              </a:solidFill>
+            </a:endParaRPr>
+          </a:p>
+        </p:txBody>
+      </p:sp>
+      <p:cxnSp>
+        <p:nvCxnSpPr>
+          <p:cNvPr id="55" name="Elbow Connector 63"/>
+          <p:cNvCxnSpPr/>
+          <p:nvPr/>
+        </p:nvCxnSpPr>
+        <p:spPr>
+          <a:xfrm rot="16200000" flipH="1">
+            <a:off x="1877270" y="3960645"/>
+            <a:ext cx="1242356" cy="176400"/>
+          </a:xfrm>
+          <a:prstGeom prst="bentConnector2">
+            <a:avLst/>
+          </a:prstGeom>
+          <a:ln w="19050">
+            <a:solidFill>
+              <a:schemeClr val="accent3"/>
+            </a:solidFill>
+            <a:headEnd type="none" w="med" len="med"/>
+            <a:tailEnd type="arrow" w="med" len="med"/>
+          </a:ln>
+          <a:effectLst/>
+        </p:spPr>
+        <p:style>
+          <a:lnRef idx="1">
+            <a:schemeClr val="accent2"/>
+          </a:lnRef>
+          <a:fillRef idx="2">
+            <a:schemeClr val="accent2"/>
+          </a:fillRef>
+          <a:effectRef idx="1">
+            <a:schemeClr val="accent2"/>
+          </a:effectRef>
+          <a:fontRef idx="minor">
+            <a:schemeClr val="dk1"/>
+          </a:fontRef>
+        </p:style>
+      </p:cxnSp>
+      <p:cxnSp>
+        <p:nvCxnSpPr>
+          <p:cNvPr id="56" name="Elbow Connector 55"/>
+          <p:cNvCxnSpPr/>
+          <p:nvPr/>
+        </p:nvCxnSpPr>
+        <p:spPr>
+          <a:xfrm rot="16200000" flipH="1">
+            <a:off x="3425871" y="4475668"/>
+            <a:ext cx="118421" cy="699979"/>
+          </a:xfrm>
+          <a:prstGeom prst="bentConnector2">
+            <a:avLst/>
+          </a:prstGeom>
+          <a:ln w="19050">
+            <a:solidFill>
+              <a:schemeClr val="accent3"/>
+            </a:solidFill>
+            <a:headEnd type="none" w="med" len="med"/>
+            <a:tailEnd type="arrow" w="med" len="med"/>
+          </a:ln>
+          <a:effectLst/>
+        </p:spPr>
+        <p:style>
+          <a:lnRef idx="1">
+            <a:schemeClr val="accent2"/>
+          </a:lnRef>
+          <a:fillRef idx="2">
+            <a:schemeClr val="accent2"/>
+          </a:fillRef>
+          <a:effectRef idx="1">
+            <a:schemeClr val="accent2"/>
+          </a:effectRef>
+          <a:fontRef idx="minor">
+            <a:schemeClr val="dk1"/>
+          </a:fontRef>
+        </p:style>
+      </p:cxnSp>
+      <p:sp>
+        <p:nvSpPr>
+          <p:cNvPr id="57" name="Rectangle 11"/>
+          <p:cNvSpPr/>
+          <p:nvPr/>
+        </p:nvSpPr>
+        <p:spPr>
+          <a:xfrm>
+            <a:off x="3847682" y="4755411"/>
+            <a:ext cx="1040906" cy="236841"/>
+          </a:xfrm>
+          <a:prstGeom prst="rect">
+            <a:avLst/>
+          </a:prstGeom>
+          <a:ln w="19050">
+            <a:solidFill>
+              <a:schemeClr val="accent3"/>
+            </a:solidFill>
+          </a:ln>
+          <a:effectLst/>
+        </p:spPr>
+        <p:style>
+          <a:lnRef idx="1">
+            <a:schemeClr val="accent3"/>
+          </a:lnRef>
+          <a:fillRef idx="2">
+            <a:schemeClr val="accent3"/>
+          </a:fillRef>
+          <a:effectRef idx="1">
+            <a:schemeClr val="accent3"/>
+          </a:effectRef>
+          <a:fontRef idx="minor">
+            <a:schemeClr val="dk1"/>
+          </a:fontRef>
+        </p:style>
+        <p:txBody>
+          <a:bodyPr rtlCol="0" anchor="ctr"/>
+          <a:lstStyle/>
+          <a:p>
+            <a:pPr algn="ctr"/>
+            <a:r>
+              <a:rPr lang="en-US" sz="1050" b="1" dirty="0" err="1" smtClean="0">
+                <a:solidFill>
+                  <a:schemeClr val="accent3">
+                    <a:lumMod val="75000"/>
+                  </a:schemeClr>
+                </a:solidFill>
+              </a:rPr>
+              <a:t>EventCard</a:t>
+            </a:r>
+            <a:endParaRPr lang="en-SG" sz="1050" b="1" dirty="0">
+              <a:solidFill>
+                <a:schemeClr val="accent3">
+                  <a:lumMod val="75000"/>
+                </a:schemeClr>
+              </a:solidFill>
+            </a:endParaRPr>
+          </a:p>
+        </p:txBody>
+      </p:sp>
+      <p:cxnSp>
+        <p:nvCxnSpPr>
+          <p:cNvPr id="58" name="Elbow Connector 63"/>
+          <p:cNvCxnSpPr/>
+          <p:nvPr/>
+        </p:nvCxnSpPr>
+        <p:spPr>
+          <a:xfrm rot="5400000">
+            <a:off x="4170236" y="3534542"/>
+            <a:ext cx="2061222" cy="649740"/>
+          </a:xfrm>
+          <a:prstGeom prst="bentConnector2">
+            <a:avLst/>
+          </a:prstGeom>
+          <a:ln w="6350">
+            <a:solidFill>
+              <a:schemeClr val="accent3"/>
+            </a:solidFill>
+            <a:headEnd type="none" w="med" len="med"/>
+            <a:tailEnd type="none" w="med" len="med"/>
+          </a:ln>
+          <a:effectLst/>
+        </p:spPr>
+        <p:style>
+          <a:lnRef idx="1">
+            <a:schemeClr val="accent2"/>
+          </a:lnRef>
+          <a:fillRef idx="2">
+            <a:schemeClr val="accent2"/>
+          </a:fillRef>
+          <a:effectRef idx="1">
+            <a:schemeClr val="accent2"/>
+          </a:effectRef>
+          <a:fontRef idx="minor">
+            <a:schemeClr val="dk1"/>
+          </a:fontRef>
+        </p:style>
+      </p:cxnSp>
+      <p:sp>
+        <p:nvSpPr>
+          <p:cNvPr id="59" name="Freeform 58"/>
+          <p:cNvSpPr/>
+          <p:nvPr/>
+        </p:nvSpPr>
+        <p:spPr>
+          <a:xfrm flipV="1">
+            <a:off x="4121418" y="5008418"/>
+            <a:ext cx="2642195" cy="101600"/>
+          </a:xfrm>
+          <a:custGeom>
+            <a:avLst/>
+            <a:gdLst>
+              <a:gd name="connsiteX0" fmla="*/ 0 w 3048000"/>
+              <a:gd name="connsiteY0" fmla="*/ 203200 h 203200"/>
+              <a:gd name="connsiteX1" fmla="*/ 221673 w 3048000"/>
+              <a:gd name="connsiteY1" fmla="*/ 0 h 203200"/>
+              <a:gd name="connsiteX2" fmla="*/ 3048000 w 3048000"/>
+              <a:gd name="connsiteY2" fmla="*/ 0 h 203200"/>
+            </a:gdLst>
+            <a:ahLst/>
+            <a:cxnLst>
+              <a:cxn ang="0">
+                <a:pos x="connsiteX0" y="connsiteY0"/>
+              </a:cxn>
+              <a:cxn ang="0">
+                <a:pos x="connsiteX1" y="connsiteY1"/>
+              </a:cxn>
+              <a:cxn ang="0">
+                <a:pos x="connsiteX2" y="connsiteY2"/>
+              </a:cxn>
+            </a:cxnLst>
+            <a:rect l="l" t="t" r="r" b="b"/>
+            <a:pathLst>
+              <a:path w="3048000" h="203200">
+                <a:moveTo>
+                  <a:pt x="0" y="203200"/>
+                </a:moveTo>
+                <a:lnTo>
+                  <a:pt x="221673" y="0"/>
+                </a:lnTo>
+                <a:lnTo>
+                  <a:pt x="3048000" y="0"/>
+                </a:lnTo>
+              </a:path>
+            </a:pathLst>
+          </a:custGeom>
+          <a:noFill/>
+          <a:ln w="19050">
+            <a:solidFill>
+              <a:schemeClr val="accent3"/>
+            </a:solidFill>
+            <a:prstDash val="sysDot"/>
+            <a:headEnd type="none" w="med" len="med"/>
+            <a:tailEnd type="arrow" w="med" len="med"/>
+          </a:ln>
+          <a:effectLst/>
+        </p:spPr>
+        <p:style>
+          <a:lnRef idx="1">
+            <a:schemeClr val="accent2"/>
+          </a:lnRef>
+          <a:fillRef idx="2">
+            <a:schemeClr val="accent2"/>
+          </a:fillRef>
+          <a:effectRef idx="1">
+            <a:schemeClr val="accent2"/>
+          </a:effectRef>
+          <a:fontRef idx="minor">
+            <a:schemeClr val="dk1"/>
+          </a:fontRef>
+        </p:style>
+        <p:txBody>
+          <a:bodyPr rtlCol="0" anchor="ctr"/>
+          <a:lstStyle/>
+          <a:p>
+            <a:pPr algn="ctr"/>
+            <a:endParaRPr lang="en-SG"/>
+          </a:p>
+        </p:txBody>
+      </p:sp>
+      <p:sp>
+        <p:nvSpPr>
+          <p:cNvPr id="64" name="Rectangle 11"/>
+          <p:cNvSpPr/>
+          <p:nvPr/>
+        </p:nvSpPr>
+        <p:spPr>
+          <a:xfrm>
+            <a:off x="2579592" y="5091274"/>
+            <a:ext cx="1093635" cy="236841"/>
+          </a:xfrm>
+          <a:prstGeom prst="rect">
+            <a:avLst/>
+          </a:prstGeom>
+          <a:ln w="19050">
+            <a:solidFill>
+              <a:schemeClr val="accent3"/>
+            </a:solidFill>
+          </a:ln>
+          <a:effectLst/>
+        </p:spPr>
+        <p:style>
+          <a:lnRef idx="1">
+            <a:schemeClr val="accent3"/>
+          </a:lnRef>
+          <a:fillRef idx="2">
+            <a:schemeClr val="accent3"/>
+          </a:fillRef>
+          <a:effectRef idx="1">
+            <a:schemeClr val="accent3"/>
+          </a:effectRef>
+          <a:fontRef idx="minor">
+            <a:schemeClr val="dk1"/>
+          </a:fontRef>
+        </p:style>
+        <p:txBody>
+          <a:bodyPr rtlCol="0" anchor="ctr"/>
+          <a:lstStyle/>
+          <a:p>
+            <a:pPr algn="ctr"/>
+            <a:r>
+              <a:rPr lang="en-US" sz="1050" b="1" dirty="0" err="1" smtClean="0">
+                <a:solidFill>
+                  <a:schemeClr val="accent3">
+                    <a:lumMod val="75000"/>
+                  </a:schemeClr>
+                </a:solidFill>
+              </a:rPr>
+              <a:t>GroupListPanel</a:t>
+            </a:r>
+            <a:endParaRPr lang="en-SG" sz="1050" b="1" dirty="0">
+              <a:solidFill>
+                <a:schemeClr val="accent3">
+                  <a:lumMod val="75000"/>
+                </a:schemeClr>
+              </a:solidFill>
+            </a:endParaRPr>
+          </a:p>
+        </p:txBody>
+      </p:sp>
+      <p:cxnSp>
+        <p:nvCxnSpPr>
+          <p:cNvPr id="65" name="Elbow Connector 63"/>
+          <p:cNvCxnSpPr/>
+          <p:nvPr/>
+        </p:nvCxnSpPr>
+        <p:spPr>
+          <a:xfrm rot="16200000" flipH="1">
+            <a:off x="1882256" y="4504804"/>
+            <a:ext cx="1242356" cy="176400"/>
+          </a:xfrm>
+          <a:prstGeom prst="bentConnector2">
+            <a:avLst/>
+          </a:prstGeom>
+          <a:ln w="19050">
+            <a:solidFill>
+              <a:schemeClr val="accent3"/>
+            </a:solidFill>
+            <a:headEnd type="none" w="med" len="med"/>
+            <a:tailEnd type="arrow" w="med" len="med"/>
+          </a:ln>
+          <a:effectLst/>
+        </p:spPr>
+        <p:style>
+          <a:lnRef idx="1">
+            <a:schemeClr val="accent2"/>
+          </a:lnRef>
+          <a:fillRef idx="2">
+            <a:schemeClr val="accent2"/>
+          </a:fillRef>
+          <a:effectRef idx="1">
+            <a:schemeClr val="accent2"/>
+          </a:effectRef>
+          <a:fontRef idx="minor">
+            <a:schemeClr val="dk1"/>
+          </a:fontRef>
+        </p:style>
+      </p:cxnSp>
+      <p:cxnSp>
+        <p:nvCxnSpPr>
+          <p:cNvPr id="66" name="Elbow Connector 63"/>
+          <p:cNvCxnSpPr/>
+          <p:nvPr/>
+        </p:nvCxnSpPr>
+        <p:spPr>
+          <a:xfrm rot="5400000">
+            <a:off x="3691622" y="2829150"/>
+            <a:ext cx="1824381" cy="1843808"/>
+          </a:xfrm>
+          <a:prstGeom prst="bentConnector2">
+            <a:avLst/>
+          </a:prstGeom>
+          <a:ln w="6350">
+            <a:solidFill>
+              <a:schemeClr val="accent3"/>
+            </a:solidFill>
+            <a:headEnd type="none" w="med" len="med"/>
+            <a:tailEnd type="none" w="med" len="med"/>
+          </a:ln>
+          <a:effectLst/>
+        </p:spPr>
+        <p:style>
+          <a:lnRef idx="1">
+            <a:schemeClr val="accent2"/>
+          </a:lnRef>
+          <a:fillRef idx="2">
+            <a:schemeClr val="accent2"/>
+          </a:fillRef>
+          <a:effectRef idx="1">
+            <a:schemeClr val="accent2"/>
+          </a:effectRef>
+          <a:fontRef idx="minor">
+            <a:schemeClr val="dk1"/>
+          </a:fontRef>
+        </p:style>
+      </p:cxnSp>
+      <p:cxnSp>
+        <p:nvCxnSpPr>
+          <p:cNvPr id="68" name="Elbow Connector 63"/>
+          <p:cNvCxnSpPr/>
+          <p:nvPr/>
+        </p:nvCxnSpPr>
+        <p:spPr>
+          <a:xfrm rot="5400000">
+            <a:off x="3688842" y="3392082"/>
+            <a:ext cx="1824381" cy="1843808"/>
+          </a:xfrm>
+          <a:prstGeom prst="bentConnector2">
+            <a:avLst/>
+          </a:prstGeom>
+          <a:ln w="6350">
+            <a:solidFill>
+              <a:schemeClr val="accent3"/>
+            </a:solidFill>
+            <a:headEnd type="none" w="med" len="med"/>
+            <a:tailEnd type="none" w="med" len="med"/>
+          </a:ln>
+          <a:effectLst/>
+        </p:spPr>
+        <p:style>
+          <a:lnRef idx="1">
+            <a:schemeClr val="accent2"/>
+          </a:lnRef>
+          <a:fillRef idx="2">
+            <a:schemeClr val="accent2"/>
+          </a:fillRef>
+          <a:effectRef idx="1">
+            <a:schemeClr val="accent2"/>
+          </a:effectRef>
+          <a:fontRef idx="minor">
+            <a:schemeClr val="dk1"/>
+          </a:fontRef>
+        </p:style>
+      </p:cxnSp>
+      <p:cxnSp>
+        <p:nvCxnSpPr>
+          <p:cNvPr id="72" name="Elbow Connector 71"/>
+          <p:cNvCxnSpPr/>
+          <p:nvPr/>
+        </p:nvCxnSpPr>
+        <p:spPr>
+          <a:xfrm rot="16200000" flipH="1">
+            <a:off x="3424866" y="5035498"/>
+            <a:ext cx="118421" cy="699979"/>
+          </a:xfrm>
+          <a:prstGeom prst="bentConnector2">
+            <a:avLst/>
+          </a:prstGeom>
+          <a:ln w="19050">
+            <a:solidFill>
+              <a:schemeClr val="accent3"/>
+            </a:solidFill>
+            <a:headEnd type="none" w="med" len="med"/>
+            <a:tailEnd type="arrow" w="med" len="med"/>
+          </a:ln>
+          <a:effectLst/>
+        </p:spPr>
+        <p:style>
+          <a:lnRef idx="1">
+            <a:schemeClr val="accent2"/>
+          </a:lnRef>
+          <a:fillRef idx="2">
+            <a:schemeClr val="accent2"/>
+          </a:fillRef>
+          <a:effectRef idx="1">
+            <a:schemeClr val="accent2"/>
+          </a:effectRef>
+          <a:fontRef idx="minor">
+            <a:schemeClr val="dk1"/>
+          </a:fontRef>
+        </p:style>
+      </p:cxnSp>
+      <p:sp>
+        <p:nvSpPr>
+          <p:cNvPr id="75" name="Rectangle 11"/>
+          <p:cNvSpPr/>
+          <p:nvPr/>
+        </p:nvSpPr>
+        <p:spPr>
+          <a:xfrm>
+            <a:off x="3824907" y="5344572"/>
+            <a:ext cx="1040906" cy="236841"/>
+          </a:xfrm>
+          <a:prstGeom prst="rect">
+            <a:avLst/>
+          </a:prstGeom>
+          <a:ln w="19050">
+            <a:solidFill>
+              <a:schemeClr val="accent3"/>
+            </a:solidFill>
+          </a:ln>
+          <a:effectLst/>
+        </p:spPr>
+        <p:style>
+          <a:lnRef idx="1">
+            <a:schemeClr val="accent3"/>
+          </a:lnRef>
+          <a:fillRef idx="2">
+            <a:schemeClr val="accent3"/>
+          </a:fillRef>
+          <a:effectRef idx="1">
+            <a:schemeClr val="accent3"/>
+          </a:effectRef>
+          <a:fontRef idx="minor">
+            <a:schemeClr val="dk1"/>
+          </a:fontRef>
+        </p:style>
+        <p:txBody>
+          <a:bodyPr rtlCol="0" anchor="ctr"/>
+          <a:lstStyle/>
+          <a:p>
+            <a:pPr algn="ctr"/>
+            <a:r>
+              <a:rPr lang="en-US" sz="1050" b="1" dirty="0" err="1" smtClean="0">
+                <a:solidFill>
+                  <a:schemeClr val="accent3">
+                    <a:lumMod val="75000"/>
+                  </a:schemeClr>
+                </a:solidFill>
+              </a:rPr>
+              <a:t>GroupCard</a:t>
+            </a:r>
+            <a:endParaRPr lang="en-SG" sz="1050" b="1" dirty="0">
+              <a:solidFill>
+                <a:schemeClr val="accent3">
+                  <a:lumMod val="75000"/>
+                </a:schemeClr>
+              </a:solidFill>
+            </a:endParaRPr>
+          </a:p>
+        </p:txBody>
+      </p:sp>
+      <p:sp>
+        <p:nvSpPr>
+          <p:cNvPr id="79" name="Freeform 78"/>
+          <p:cNvSpPr/>
+          <p:nvPr/>
+        </p:nvSpPr>
+        <p:spPr>
+          <a:xfrm>
+            <a:off x="4888587" y="5317042"/>
+            <a:ext cx="1875026" cy="155368"/>
           </a:xfrm>
           <a:custGeom>
             <a:avLst/>

--- a/docs/diagrams/UiComponentClassDiagram.pptx
+++ b/docs/diagrams/UiComponentClassDiagram.pptx
@@ -208,7 +208,7 @@
           <a:p>
             <a:fld id="{F5CC4B3F-88C1-4FFA-B1B6-F41C21DC6924}" type="datetimeFigureOut">
               <a:rPr lang="en-US" smtClean="0"/>
-              <a:t>11/11/2017</a:t>
+              <a:t>11/12/2017</a:t>
             </a:fld>
             <a:endParaRPr lang="en-US"/>
           </a:p>
@@ -654,7 +654,7 @@
           <a:p>
             <a:fld id="{78C97017-6FC3-485B-9764-EAC9E56C1D49}" type="datetimeFigureOut">
               <a:rPr lang="en-US" smtClean="0"/>
-              <a:t>11/11/2017</a:t>
+              <a:t>11/12/2017</a:t>
             </a:fld>
             <a:endParaRPr lang="en-US"/>
           </a:p>
@@ -822,7 +822,7 @@
           <a:p>
             <a:fld id="{78C97017-6FC3-485B-9764-EAC9E56C1D49}" type="datetimeFigureOut">
               <a:rPr lang="en-US" smtClean="0"/>
-              <a:t>11/11/2017</a:t>
+              <a:t>11/12/2017</a:t>
             </a:fld>
             <a:endParaRPr lang="en-US"/>
           </a:p>
@@ -1000,7 +1000,7 @@
           <a:p>
             <a:fld id="{78C97017-6FC3-485B-9764-EAC9E56C1D49}" type="datetimeFigureOut">
               <a:rPr lang="en-US" smtClean="0"/>
-              <a:t>11/11/2017</a:t>
+              <a:t>11/12/2017</a:t>
             </a:fld>
             <a:endParaRPr lang="en-US"/>
           </a:p>
@@ -1168,7 +1168,7 @@
           <a:p>
             <a:fld id="{78C97017-6FC3-485B-9764-EAC9E56C1D49}" type="datetimeFigureOut">
               <a:rPr lang="en-US" smtClean="0"/>
-              <a:t>11/11/2017</a:t>
+              <a:t>11/12/2017</a:t>
             </a:fld>
             <a:endParaRPr lang="en-US"/>
           </a:p>
@@ -1413,7 +1413,7 @@
           <a:p>
             <a:fld id="{78C97017-6FC3-485B-9764-EAC9E56C1D49}" type="datetimeFigureOut">
               <a:rPr lang="en-US" smtClean="0"/>
-              <a:t>11/11/2017</a:t>
+              <a:t>11/12/2017</a:t>
             </a:fld>
             <a:endParaRPr lang="en-US"/>
           </a:p>
@@ -1698,7 +1698,7 @@
           <a:p>
             <a:fld id="{78C97017-6FC3-485B-9764-EAC9E56C1D49}" type="datetimeFigureOut">
               <a:rPr lang="en-US" smtClean="0"/>
-              <a:t>11/11/2017</a:t>
+              <a:t>11/12/2017</a:t>
             </a:fld>
             <a:endParaRPr lang="en-US"/>
           </a:p>
@@ -2117,7 +2117,7 @@
           <a:p>
             <a:fld id="{78C97017-6FC3-485B-9764-EAC9E56C1D49}" type="datetimeFigureOut">
               <a:rPr lang="en-US" smtClean="0"/>
-              <a:t>11/11/2017</a:t>
+              <a:t>11/12/2017</a:t>
             </a:fld>
             <a:endParaRPr lang="en-US"/>
           </a:p>
@@ -2234,7 +2234,7 @@
           <a:p>
             <a:fld id="{78C97017-6FC3-485B-9764-EAC9E56C1D49}" type="datetimeFigureOut">
               <a:rPr lang="en-US" smtClean="0"/>
-              <a:t>11/11/2017</a:t>
+              <a:t>11/12/2017</a:t>
             </a:fld>
             <a:endParaRPr lang="en-US"/>
           </a:p>
@@ -2329,7 +2329,7 @@
           <a:p>
             <a:fld id="{78C97017-6FC3-485B-9764-EAC9E56C1D49}" type="datetimeFigureOut">
               <a:rPr lang="en-US" smtClean="0"/>
-              <a:t>11/11/2017</a:t>
+              <a:t>11/12/2017</a:t>
             </a:fld>
             <a:endParaRPr lang="en-US"/>
           </a:p>
@@ -2604,7 +2604,7 @@
           <a:p>
             <a:fld id="{78C97017-6FC3-485B-9764-EAC9E56C1D49}" type="datetimeFigureOut">
               <a:rPr lang="en-US" smtClean="0"/>
-              <a:t>11/11/2017</a:t>
+              <a:t>11/12/2017</a:t>
             </a:fld>
             <a:endParaRPr lang="en-US"/>
           </a:p>
@@ -2856,7 +2856,7 @@
           <a:p>
             <a:fld id="{78C97017-6FC3-485B-9764-EAC9E56C1D49}" type="datetimeFigureOut">
               <a:rPr lang="en-US" smtClean="0"/>
-              <a:t>11/11/2017</a:t>
+              <a:t>11/12/2017</a:t>
             </a:fld>
             <a:endParaRPr lang="en-US"/>
           </a:p>
@@ -3067,7 +3067,7 @@
           <a:p>
             <a:fld id="{78C97017-6FC3-485B-9764-EAC9E56C1D49}" type="datetimeFigureOut">
               <a:rPr lang="en-US" smtClean="0"/>
-              <a:t>11/11/2017</a:t>
+              <a:t>11/12/2017</a:t>
             </a:fld>
             <a:endParaRPr lang="en-US"/>
           </a:p>
@@ -3450,8 +3450,8 @@
         </p:nvSpPr>
         <p:spPr>
           <a:xfrm>
-            <a:off x="1217465" y="1447800"/>
-            <a:ext cx="4917083" cy="5029200"/>
+            <a:off x="914401" y="1447800"/>
+            <a:ext cx="5493068" cy="5029200"/>
           </a:xfrm>
           <a:prstGeom prst="roundRect">
             <a:avLst>
@@ -5517,7 +5517,7 @@
         </p:nvSpPr>
         <p:spPr>
           <a:xfrm>
-            <a:off x="2582371" y="4523410"/>
+            <a:off x="2572564" y="4782725"/>
             <a:ext cx="1093635" cy="236841"/>
           </a:xfrm>
           <a:prstGeom prst="rect">
@@ -5557,17 +5557,7 @@
                   </a:schemeClr>
                 </a:solidFill>
               </a:rPr>
-              <a:t>Event</a:t>
-            </a:r>
-            <a:r>
-              <a:rPr lang="en-US" sz="1050" b="1" dirty="0" err="1" smtClean="0">
-                <a:solidFill>
-                  <a:schemeClr val="accent3">
-                    <a:lumMod val="75000"/>
-                  </a:schemeClr>
-                </a:solidFill>
-              </a:rPr>
-              <a:t>ListPanel</a:t>
+              <a:t>EventListPanel</a:t>
             </a:r>
             <a:endParaRPr lang="en-SG" sz="1050" b="1" dirty="0">
               <a:solidFill>
@@ -5587,7 +5577,7 @@
         </p:nvCxnSpPr>
         <p:spPr>
           <a:xfrm rot="16200000" flipH="1">
-            <a:off x="1877270" y="3960645"/>
+            <a:off x="1877243" y="4189590"/>
             <a:ext cx="1242356" cy="176400"/>
           </a:xfrm>
           <a:prstGeom prst="bentConnector2">
@@ -5625,7 +5615,7 @@
         </p:nvCxnSpPr>
         <p:spPr>
           <a:xfrm rot="16200000" flipH="1">
-            <a:off x="3425871" y="4475668"/>
+            <a:off x="3436073" y="4737894"/>
             <a:ext cx="118421" cy="699979"/>
           </a:xfrm>
           <a:prstGeom prst="bentConnector2">
@@ -5663,7 +5653,7 @@
         </p:nvSpPr>
         <p:spPr>
           <a:xfrm>
-            <a:off x="3847682" y="4755411"/>
+            <a:off x="3839323" y="4981215"/>
             <a:ext cx="1040906" cy="236841"/>
           </a:xfrm>
           <a:prstGeom prst="rect">
@@ -5723,7 +5713,7 @@
         </p:nvCxnSpPr>
         <p:spPr>
           <a:xfrm rot="5400000">
-            <a:off x="4170236" y="3534542"/>
+            <a:off x="4170237" y="3778999"/>
             <a:ext cx="2061222" cy="649740"/>
           </a:xfrm>
           <a:prstGeom prst="bentConnector2">
@@ -5761,7 +5751,7 @@
         </p:nvSpPr>
         <p:spPr>
           <a:xfrm flipV="1">
-            <a:off x="4121418" y="5008418"/>
+            <a:off x="4122580" y="5226106"/>
             <a:ext cx="2642195" cy="101600"/>
           </a:xfrm>
           <a:custGeom>
@@ -5835,16 +5825,54 @@
           </a:p>
         </p:txBody>
       </p:sp>
-      <p:sp>
-        <p:nvSpPr>
-          <p:cNvPr id="64" name="Rectangle 11"/>
+      <p:cxnSp>
+        <p:nvCxnSpPr>
+          <p:cNvPr id="66" name="Elbow Connector 63"/>
+          <p:cNvCxnSpPr/>
+          <p:nvPr/>
+        </p:nvCxnSpPr>
+        <p:spPr>
+          <a:xfrm rot="5400000">
+            <a:off x="3682697" y="3081743"/>
+            <a:ext cx="1824381" cy="1843808"/>
+          </a:xfrm>
+          <a:prstGeom prst="bentConnector2">
+            <a:avLst/>
+          </a:prstGeom>
+          <a:ln w="6350">
+            <a:solidFill>
+              <a:schemeClr val="accent3"/>
+            </a:solidFill>
+            <a:headEnd type="none" w="med" len="med"/>
+            <a:tailEnd type="none" w="med" len="med"/>
+          </a:ln>
+          <a:effectLst/>
+        </p:spPr>
+        <p:style>
+          <a:lnRef idx="1">
+            <a:schemeClr val="accent2"/>
+          </a:lnRef>
+          <a:fillRef idx="2">
+            <a:schemeClr val="accent2"/>
+          </a:fillRef>
+          <a:effectRef idx="1">
+            <a:schemeClr val="accent2"/>
+          </a:effectRef>
+          <a:fontRef idx="minor">
+            <a:schemeClr val="dk1"/>
+          </a:fontRef>
+        </p:style>
+      </p:cxnSp>
+      <p:sp>
+        <p:nvSpPr>
+          <p:cNvPr id="60" name="Rectangle 11"/>
           <p:cNvSpPr/>
           <p:nvPr/>
         </p:nvSpPr>
         <p:spPr>
           <a:xfrm>
-            <a:off x="2579592" y="5091274"/>
-            <a:ext cx="1093635" cy="236841"/>
+            <a:off x="2579226" y="4420954"/>
+            <a:ext cx="1165890" cy="236841"/>
           </a:xfrm>
           <a:prstGeom prst="rect">
             <a:avLst/>
@@ -5883,7 +5911,17 @@
                   </a:schemeClr>
                 </a:solidFill>
               </a:rPr>
-              <a:t>GroupListPanel</a:t>
+              <a:t>Birthday</a:t>
+            </a:r>
+            <a:r>
+              <a:rPr lang="en-US" sz="1050" b="1" dirty="0" err="1" smtClean="0">
+                <a:solidFill>
+                  <a:schemeClr val="accent3">
+                    <a:lumMod val="75000"/>
+                  </a:schemeClr>
+                </a:solidFill>
+              </a:rPr>
+              <a:t>ListPanel</a:t>
             </a:r>
             <a:endParaRPr lang="en-SG" sz="1050" b="1" dirty="0">
               <a:solidFill>
@@ -5897,13 +5935,13 @@
       </p:sp>
       <p:cxnSp>
         <p:nvCxnSpPr>
-          <p:cNvPr id="65" name="Elbow Connector 63"/>
+          <p:cNvPr id="62" name="Elbow Connector 63"/>
           <p:cNvCxnSpPr/>
           <p:nvPr/>
         </p:nvCxnSpPr>
         <p:spPr>
           <a:xfrm rot="16200000" flipH="1">
-            <a:off x="1882256" y="4504804"/>
+            <a:off x="1878840" y="3840582"/>
             <a:ext cx="1242356" cy="176400"/>
           </a:xfrm>
           <a:prstGeom prst="bentConnector2">
@@ -5935,260 +5973,78 @@
       </p:cxnSp>
       <p:cxnSp>
         <p:nvCxnSpPr>
-          <p:cNvPr id="66" name="Elbow Connector 63"/>
+          <p:cNvPr id="20" name="Straight Connector 19"/>
           <p:cNvCxnSpPr/>
           <p:nvPr/>
         </p:nvCxnSpPr>
         <p:spPr>
-          <a:xfrm rot="5400000">
-            <a:off x="3691622" y="2829150"/>
-            <a:ext cx="1824381" cy="1843808"/>
-          </a:xfrm>
-          <a:prstGeom prst="bentConnector2">
+          <a:xfrm>
+            <a:off x="3745116" y="4648200"/>
+            <a:ext cx="154168" cy="0"/>
+          </a:xfrm>
+          <a:prstGeom prst="line">
             <a:avLst/>
           </a:prstGeom>
-          <a:ln w="6350">
+          <a:ln w="19050">
             <a:solidFill>
-              <a:schemeClr val="accent3"/>
+              <a:srgbClr val="92D050"/>
             </a:solidFill>
-            <a:headEnd type="none" w="med" len="med"/>
-            <a:tailEnd type="none" w="med" len="med"/>
           </a:ln>
-          <a:effectLst/>
         </p:spPr>
         <p:style>
           <a:lnRef idx="1">
-            <a:schemeClr val="accent2"/>
+            <a:schemeClr val="accent1"/>
           </a:lnRef>
-          <a:fillRef idx="2">
-            <a:schemeClr val="accent2"/>
+          <a:fillRef idx="0">
+            <a:schemeClr val="accent1"/>
           </a:fillRef>
-          <a:effectRef idx="1">
-            <a:schemeClr val="accent2"/>
+          <a:effectRef idx="0">
+            <a:schemeClr val="accent1"/>
           </a:effectRef>
           <a:fontRef idx="minor">
-            <a:schemeClr val="dk1"/>
+            <a:schemeClr val="tx1"/>
           </a:fontRef>
         </p:style>
       </p:cxnSp>
       <p:cxnSp>
         <p:nvCxnSpPr>
-          <p:cNvPr id="68" name="Elbow Connector 63"/>
+          <p:cNvPr id="26" name="Straight Arrow Connector 25"/>
           <p:cNvCxnSpPr/>
           <p:nvPr/>
         </p:nvCxnSpPr>
         <p:spPr>
-          <a:xfrm rot="5400000">
-            <a:off x="3688842" y="3392082"/>
-            <a:ext cx="1824381" cy="1843808"/>
-          </a:xfrm>
-          <a:prstGeom prst="bentConnector2">
-            <a:avLst/>
-          </a:prstGeom>
-          <a:ln w="6350">
-            <a:solidFill>
-              <a:schemeClr val="accent3"/>
-            </a:solidFill>
-            <a:headEnd type="none" w="med" len="med"/>
-            <a:tailEnd type="none" w="med" len="med"/>
-          </a:ln>
-          <a:effectLst/>
-        </p:spPr>
-        <p:style>
-          <a:lnRef idx="1">
-            <a:schemeClr val="accent2"/>
-          </a:lnRef>
-          <a:fillRef idx="2">
-            <a:schemeClr val="accent2"/>
-          </a:fillRef>
-          <a:effectRef idx="1">
-            <a:schemeClr val="accent2"/>
-          </a:effectRef>
-          <a:fontRef idx="minor">
-            <a:schemeClr val="dk1"/>
-          </a:fontRef>
-        </p:style>
-      </p:cxnSp>
-      <p:cxnSp>
-        <p:nvCxnSpPr>
-          <p:cNvPr id="72" name="Elbow Connector 71"/>
-          <p:cNvCxnSpPr/>
-          <p:nvPr/>
-        </p:nvCxnSpPr>
-        <p:spPr>
-          <a:xfrm rot="16200000" flipH="1">
-            <a:off x="3424866" y="5035498"/>
-            <a:ext cx="118421" cy="699979"/>
-          </a:xfrm>
-          <a:prstGeom prst="bentConnector2">
+          <a:xfrm flipV="1">
+            <a:off x="3899284" y="4465642"/>
+            <a:ext cx="0" cy="182558"/>
+          </a:xfrm>
+          <a:prstGeom prst="straightConnector1">
             <a:avLst/>
           </a:prstGeom>
           <a:ln w="19050">
             <a:solidFill>
-              <a:schemeClr val="accent3"/>
+              <a:schemeClr val="accent3">
+                <a:lumMod val="60000"/>
+                <a:lumOff val="40000"/>
+              </a:schemeClr>
             </a:solidFill>
-            <a:headEnd type="none" w="med" len="med"/>
-            <a:tailEnd type="arrow" w="med" len="med"/>
+            <a:tailEnd type="triangle"/>
           </a:ln>
-          <a:effectLst/>
         </p:spPr>
         <p:style>
           <a:lnRef idx="1">
-            <a:schemeClr val="accent2"/>
+            <a:schemeClr val="accent1"/>
           </a:lnRef>
-          <a:fillRef idx="2">
-            <a:schemeClr val="accent2"/>
+          <a:fillRef idx="0">
+            <a:schemeClr val="accent1"/>
           </a:fillRef>
-          <a:effectRef idx="1">
-            <a:schemeClr val="accent2"/>
+          <a:effectRef idx="0">
+            <a:schemeClr val="accent1"/>
           </a:effectRef>
           <a:fontRef idx="minor">
-            <a:schemeClr val="dk1"/>
+            <a:schemeClr val="tx1"/>
           </a:fontRef>
         </p:style>
       </p:cxnSp>
-      <p:sp>
-        <p:nvSpPr>
-          <p:cNvPr id="75" name="Rectangle 11"/>
-          <p:cNvSpPr/>
-          <p:nvPr/>
-        </p:nvSpPr>
-        <p:spPr>
-          <a:xfrm>
-            <a:off x="3824907" y="5344572"/>
-            <a:ext cx="1040906" cy="236841"/>
-          </a:xfrm>
-          <a:prstGeom prst="rect">
-            <a:avLst/>
-          </a:prstGeom>
-          <a:ln w="19050">
-            <a:solidFill>
-              <a:schemeClr val="accent3"/>
-            </a:solidFill>
-          </a:ln>
-          <a:effectLst/>
-        </p:spPr>
-        <p:style>
-          <a:lnRef idx="1">
-            <a:schemeClr val="accent3"/>
-          </a:lnRef>
-          <a:fillRef idx="2">
-            <a:schemeClr val="accent3"/>
-          </a:fillRef>
-          <a:effectRef idx="1">
-            <a:schemeClr val="accent3"/>
-          </a:effectRef>
-          <a:fontRef idx="minor">
-            <a:schemeClr val="dk1"/>
-          </a:fontRef>
-        </p:style>
-        <p:txBody>
-          <a:bodyPr rtlCol="0" anchor="ctr"/>
-          <a:lstStyle/>
-          <a:p>
-            <a:pPr algn="ctr"/>
-            <a:r>
-              <a:rPr lang="en-US" sz="1050" b="1" dirty="0" err="1" smtClean="0">
-                <a:solidFill>
-                  <a:schemeClr val="accent3">
-                    <a:lumMod val="75000"/>
-                  </a:schemeClr>
-                </a:solidFill>
-              </a:rPr>
-              <a:t>GroupCard</a:t>
-            </a:r>
-            <a:endParaRPr lang="en-SG" sz="1050" b="1" dirty="0">
-              <a:solidFill>
-                <a:schemeClr val="accent3">
-                  <a:lumMod val="75000"/>
-                </a:schemeClr>
-              </a:solidFill>
-            </a:endParaRPr>
-          </a:p>
-        </p:txBody>
-      </p:sp>
-      <p:sp>
-        <p:nvSpPr>
-          <p:cNvPr id="79" name="Freeform 78"/>
-          <p:cNvSpPr/>
-          <p:nvPr/>
-        </p:nvSpPr>
-        <p:spPr>
-          <a:xfrm>
-            <a:off x="4888587" y="5317042"/>
-            <a:ext cx="1875026" cy="155368"/>
-          </a:xfrm>
-          <a:custGeom>
-            <a:avLst/>
-            <a:gdLst>
-              <a:gd name="connsiteX0" fmla="*/ 0 w 3048000"/>
-              <a:gd name="connsiteY0" fmla="*/ 203200 h 203200"/>
-              <a:gd name="connsiteX1" fmla="*/ 221673 w 3048000"/>
-              <a:gd name="connsiteY1" fmla="*/ 0 h 203200"/>
-              <a:gd name="connsiteX2" fmla="*/ 3048000 w 3048000"/>
-              <a:gd name="connsiteY2" fmla="*/ 0 h 203200"/>
-            </a:gdLst>
-            <a:ahLst/>
-            <a:cxnLst>
-              <a:cxn ang="0">
-                <a:pos x="connsiteX0" y="connsiteY0"/>
-              </a:cxn>
-              <a:cxn ang="0">
-                <a:pos x="connsiteX1" y="connsiteY1"/>
-              </a:cxn>
-              <a:cxn ang="0">
-                <a:pos x="connsiteX2" y="connsiteY2"/>
-              </a:cxn>
-            </a:cxnLst>
-            <a:rect l="l" t="t" r="r" b="b"/>
-            <a:pathLst>
-              <a:path w="3048000" h="203200">
-                <a:moveTo>
-                  <a:pt x="0" y="203200"/>
-                </a:moveTo>
-                <a:lnTo>
-                  <a:pt x="221673" y="0"/>
-                </a:lnTo>
-                <a:lnTo>
-                  <a:pt x="3048000" y="0"/>
-                </a:lnTo>
-              </a:path>
-            </a:pathLst>
-          </a:custGeom>
-          <a:noFill/>
-          <a:ln w="19050">
-            <a:solidFill>
-              <a:schemeClr val="accent3"/>
-            </a:solidFill>
-            <a:prstDash val="sysDot"/>
-            <a:headEnd type="none" w="med" len="med"/>
-            <a:tailEnd type="arrow" w="med" len="med"/>
-          </a:ln>
-          <a:effectLst/>
-        </p:spPr>
-        <p:style>
-          <a:lnRef idx="1">
-            <a:schemeClr val="accent2"/>
-          </a:lnRef>
-          <a:fillRef idx="2">
-            <a:schemeClr val="accent2"/>
-          </a:fillRef>
-          <a:effectRef idx="1">
-            <a:schemeClr val="accent2"/>
-          </a:effectRef>
-          <a:fontRef idx="minor">
-            <a:schemeClr val="dk1"/>
-          </a:fontRef>
-        </p:style>
-        <p:txBody>
-          <a:bodyPr rtlCol="0" anchor="ctr"/>
-          <a:lstStyle/>
-          <a:p>
-            <a:pPr algn="ctr"/>
-            <a:endParaRPr lang="en-SG"/>
-          </a:p>
-        </p:txBody>
-      </p:sp>
     </p:spTree>
     <p:extLst>
       <p:ext uri="{BB962C8B-B14F-4D97-AF65-F5344CB8AC3E}">
